--- a/FFD_figures.pptx
+++ b/FFD_figures.pptx
@@ -271,7 +271,7 @@
           <a:p>
             <a:fld id="{0C65CD0D-0262-492D-A3F9-0997A5E00F99}" type="datetimeFigureOut">
               <a:rPr kumimoji="1" lang="ja-JP" altLang="en-US" smtClean="0"/>
-              <a:t>2023/11/19</a:t>
+              <a:t>2023/12/16</a:t>
             </a:fld>
             <a:endParaRPr kumimoji="1" lang="ja-JP" altLang="en-US"/>
           </a:p>
@@ -501,7 +501,7 @@
           <a:p>
             <a:fld id="{0C65CD0D-0262-492D-A3F9-0997A5E00F99}" type="datetimeFigureOut">
               <a:rPr kumimoji="1" lang="ja-JP" altLang="en-US" smtClean="0"/>
-              <a:t>2023/11/19</a:t>
+              <a:t>2023/12/16</a:t>
             </a:fld>
             <a:endParaRPr kumimoji="1" lang="ja-JP" altLang="en-US"/>
           </a:p>
@@ -741,7 +741,7 @@
           <a:p>
             <a:fld id="{0C65CD0D-0262-492D-A3F9-0997A5E00F99}" type="datetimeFigureOut">
               <a:rPr kumimoji="1" lang="ja-JP" altLang="en-US" smtClean="0"/>
-              <a:t>2023/11/19</a:t>
+              <a:t>2023/12/16</a:t>
             </a:fld>
             <a:endParaRPr kumimoji="1" lang="ja-JP" altLang="en-US"/>
           </a:p>
@@ -971,7 +971,7 @@
           <a:p>
             <a:fld id="{0C65CD0D-0262-492D-A3F9-0997A5E00F99}" type="datetimeFigureOut">
               <a:rPr kumimoji="1" lang="ja-JP" altLang="en-US" smtClean="0"/>
-              <a:t>2023/11/19</a:t>
+              <a:t>2023/12/16</a:t>
             </a:fld>
             <a:endParaRPr kumimoji="1" lang="ja-JP" altLang="en-US"/>
           </a:p>
@@ -1246,7 +1246,7 @@
           <a:p>
             <a:fld id="{0C65CD0D-0262-492D-A3F9-0997A5E00F99}" type="datetimeFigureOut">
               <a:rPr kumimoji="1" lang="ja-JP" altLang="en-US" smtClean="0"/>
-              <a:t>2023/11/19</a:t>
+              <a:t>2023/12/16</a:t>
             </a:fld>
             <a:endParaRPr kumimoji="1" lang="ja-JP" altLang="en-US"/>
           </a:p>
@@ -1575,7 +1575,7 @@
           <a:p>
             <a:fld id="{0C65CD0D-0262-492D-A3F9-0997A5E00F99}" type="datetimeFigureOut">
               <a:rPr kumimoji="1" lang="ja-JP" altLang="en-US" smtClean="0"/>
-              <a:t>2023/11/19</a:t>
+              <a:t>2023/12/16</a:t>
             </a:fld>
             <a:endParaRPr kumimoji="1" lang="ja-JP" altLang="en-US"/>
           </a:p>
@@ -2051,7 +2051,7 @@
           <a:p>
             <a:fld id="{0C65CD0D-0262-492D-A3F9-0997A5E00F99}" type="datetimeFigureOut">
               <a:rPr kumimoji="1" lang="ja-JP" altLang="en-US" smtClean="0"/>
-              <a:t>2023/11/19</a:t>
+              <a:t>2023/12/16</a:t>
             </a:fld>
             <a:endParaRPr kumimoji="1" lang="ja-JP" altLang="en-US"/>
           </a:p>
@@ -2192,7 +2192,7 @@
           <a:p>
             <a:fld id="{0C65CD0D-0262-492D-A3F9-0997A5E00F99}" type="datetimeFigureOut">
               <a:rPr kumimoji="1" lang="ja-JP" altLang="en-US" smtClean="0"/>
-              <a:t>2023/11/19</a:t>
+              <a:t>2023/12/16</a:t>
             </a:fld>
             <a:endParaRPr kumimoji="1" lang="ja-JP" altLang="en-US"/>
           </a:p>
@@ -2305,7 +2305,7 @@
           <a:p>
             <a:fld id="{0C65CD0D-0262-492D-A3F9-0997A5E00F99}" type="datetimeFigureOut">
               <a:rPr kumimoji="1" lang="ja-JP" altLang="en-US" smtClean="0"/>
-              <a:t>2023/11/19</a:t>
+              <a:t>2023/12/16</a:t>
             </a:fld>
             <a:endParaRPr kumimoji="1" lang="ja-JP" altLang="en-US"/>
           </a:p>
@@ -2648,7 +2648,7 @@
           <a:p>
             <a:fld id="{0C65CD0D-0262-492D-A3F9-0997A5E00F99}" type="datetimeFigureOut">
               <a:rPr kumimoji="1" lang="ja-JP" altLang="en-US" smtClean="0"/>
-              <a:t>2023/11/19</a:t>
+              <a:t>2023/12/16</a:t>
             </a:fld>
             <a:endParaRPr kumimoji="1" lang="ja-JP" altLang="en-US"/>
           </a:p>
@@ -2936,7 +2936,7 @@
           <a:p>
             <a:fld id="{0C65CD0D-0262-492D-A3F9-0997A5E00F99}" type="datetimeFigureOut">
               <a:rPr kumimoji="1" lang="ja-JP" altLang="en-US" smtClean="0"/>
-              <a:t>2023/11/19</a:t>
+              <a:t>2023/12/16</a:t>
             </a:fld>
             <a:endParaRPr kumimoji="1" lang="ja-JP" altLang="en-US"/>
           </a:p>
@@ -3209,7 +3209,7 @@
           <a:p>
             <a:fld id="{0C65CD0D-0262-492D-A3F9-0997A5E00F99}" type="datetimeFigureOut">
               <a:rPr kumimoji="1" lang="ja-JP" altLang="en-US" smtClean="0"/>
-              <a:t>2023/11/19</a:t>
+              <a:t>2023/12/16</a:t>
             </a:fld>
             <a:endParaRPr kumimoji="1" lang="ja-JP" altLang="en-US"/>
           </a:p>
